--- a/Notes/session4/img/TTC.pptx
+++ b/Notes/session4/img/TTC.pptx
@@ -263,7 +263,7 @@
           <a:p>
             <a:fld id="{854F1247-3295-A348-AA33-45AE147F7E96}" type="datetimeFigureOut">
               <a:rPr lang="en-GB" smtClean="0"/>
-              <a:t>30/01/2025</a:t>
+              <a:t>02/02/2025</a:t>
             </a:fld>
             <a:endParaRPr lang="en-GB"/>
           </a:p>
@@ -461,7 +461,7 @@
           <a:p>
             <a:fld id="{854F1247-3295-A348-AA33-45AE147F7E96}" type="datetimeFigureOut">
               <a:rPr lang="en-GB" smtClean="0"/>
-              <a:t>30/01/2025</a:t>
+              <a:t>02/02/2025</a:t>
             </a:fld>
             <a:endParaRPr lang="en-GB"/>
           </a:p>
@@ -669,7 +669,7 @@
           <a:p>
             <a:fld id="{854F1247-3295-A348-AA33-45AE147F7E96}" type="datetimeFigureOut">
               <a:rPr lang="en-GB" smtClean="0"/>
-              <a:t>30/01/2025</a:t>
+              <a:t>02/02/2025</a:t>
             </a:fld>
             <a:endParaRPr lang="en-GB"/>
           </a:p>
@@ -867,7 +867,7 @@
           <a:p>
             <a:fld id="{854F1247-3295-A348-AA33-45AE147F7E96}" type="datetimeFigureOut">
               <a:rPr lang="en-GB" smtClean="0"/>
-              <a:t>30/01/2025</a:t>
+              <a:t>02/02/2025</a:t>
             </a:fld>
             <a:endParaRPr lang="en-GB"/>
           </a:p>
@@ -1142,7 +1142,7 @@
           <a:p>
             <a:fld id="{854F1247-3295-A348-AA33-45AE147F7E96}" type="datetimeFigureOut">
               <a:rPr lang="en-GB" smtClean="0"/>
-              <a:t>30/01/2025</a:t>
+              <a:t>02/02/2025</a:t>
             </a:fld>
             <a:endParaRPr lang="en-GB"/>
           </a:p>
@@ -1407,7 +1407,7 @@
           <a:p>
             <a:fld id="{854F1247-3295-A348-AA33-45AE147F7E96}" type="datetimeFigureOut">
               <a:rPr lang="en-GB" smtClean="0"/>
-              <a:t>30/01/2025</a:t>
+              <a:t>02/02/2025</a:t>
             </a:fld>
             <a:endParaRPr lang="en-GB"/>
           </a:p>
@@ -1819,7 +1819,7 @@
           <a:p>
             <a:fld id="{854F1247-3295-A348-AA33-45AE147F7E96}" type="datetimeFigureOut">
               <a:rPr lang="en-GB" smtClean="0"/>
-              <a:t>30/01/2025</a:t>
+              <a:t>02/02/2025</a:t>
             </a:fld>
             <a:endParaRPr lang="en-GB"/>
           </a:p>
@@ -1960,7 +1960,7 @@
           <a:p>
             <a:fld id="{854F1247-3295-A348-AA33-45AE147F7E96}" type="datetimeFigureOut">
               <a:rPr lang="en-GB" smtClean="0"/>
-              <a:t>30/01/2025</a:t>
+              <a:t>02/02/2025</a:t>
             </a:fld>
             <a:endParaRPr lang="en-GB"/>
           </a:p>
@@ -2073,7 +2073,7 @@
           <a:p>
             <a:fld id="{854F1247-3295-A348-AA33-45AE147F7E96}" type="datetimeFigureOut">
               <a:rPr lang="en-GB" smtClean="0"/>
-              <a:t>30/01/2025</a:t>
+              <a:t>02/02/2025</a:t>
             </a:fld>
             <a:endParaRPr lang="en-GB"/>
           </a:p>
@@ -2384,7 +2384,7 @@
           <a:p>
             <a:fld id="{854F1247-3295-A348-AA33-45AE147F7E96}" type="datetimeFigureOut">
               <a:rPr lang="en-GB" smtClean="0"/>
-              <a:t>30/01/2025</a:t>
+              <a:t>02/02/2025</a:t>
             </a:fld>
             <a:endParaRPr lang="en-GB"/>
           </a:p>
@@ -2672,7 +2672,7 @@
           <a:p>
             <a:fld id="{854F1247-3295-A348-AA33-45AE147F7E96}" type="datetimeFigureOut">
               <a:rPr lang="en-GB" smtClean="0"/>
-              <a:t>30/01/2025</a:t>
+              <a:t>02/02/2025</a:t>
             </a:fld>
             <a:endParaRPr lang="en-GB"/>
           </a:p>
@@ -2913,7 +2913,7 @@
           <a:p>
             <a:fld id="{854F1247-3295-A348-AA33-45AE147F7E96}" type="datetimeFigureOut">
               <a:rPr lang="en-GB" smtClean="0"/>
-              <a:t>30/01/2025</a:t>
+              <a:t>02/02/2025</a:t>
             </a:fld>
             <a:endParaRPr lang="en-GB"/>
           </a:p>
@@ -5625,8 +5625,8 @@
           </p:nvSpPr>
           <p:spPr>
             <a:xfrm>
-              <a:off x="5650453" y="591136"/>
-              <a:ext cx="1111202" cy="523220"/>
+              <a:off x="5523816" y="591136"/>
+              <a:ext cx="1364476" cy="523220"/>
             </a:xfrm>
             <a:prstGeom prst="rect">
               <a:avLst/>
@@ -5642,7 +5642,7 @@
               <a:pPr algn="ctr"/>
               <a:r>
                 <a:rPr lang="en-GB" sz="2800" dirty="0"/>
-                <a:t>10 ≥ p</a:t>
+                <a:t>10 ≥ pH</a:t>
               </a:r>
             </a:p>
           </p:txBody>
@@ -5918,52 +5918,22 @@
           </a:p>
         </p:txBody>
       </p:sp>
-      <p:pic>
-        <p:nvPicPr>
-          <p:cNvPr id="55" name="Picture 54">
-            <a:extLst>
-              <a:ext uri="{FF2B5EF4-FFF2-40B4-BE49-F238E27FC236}">
-                <a16:creationId xmlns:a16="http://schemas.microsoft.com/office/drawing/2014/main" id="{C7548B83-6F84-32D0-5B2E-08F2FE355E89}"/>
-              </a:ext>
-            </a:extLst>
-          </p:cNvPr>
-          <p:cNvPicPr>
-            <a:picLocks noChangeAspect="1"/>
-          </p:cNvPicPr>
+      <p:sp>
+        <p:nvSpPr>
+          <p:cNvPr id="46" name="TextBox 45">
+            <a:extLst>
+              <a:ext uri="{FF2B5EF4-FFF2-40B4-BE49-F238E27FC236}">
+                <a16:creationId xmlns:a16="http://schemas.microsoft.com/office/drawing/2014/main" id="{4D4CAD68-7B8A-3112-2D66-E80D7100A470}"/>
+              </a:ext>
+            </a:extLst>
+          </p:cNvPr>
+          <p:cNvSpPr txBox="1"/>
           <p:nvPr/>
-        </p:nvPicPr>
-        <p:blipFill>
-          <a:blip r:embed="rId2"/>
-          <a:stretch>
-            <a:fillRect/>
-          </a:stretch>
-        </p:blipFill>
+        </p:nvSpPr>
         <p:spPr>
           <a:xfrm>
-            <a:off x="9212251" y="3036622"/>
-            <a:ext cx="2988000" cy="1536685"/>
-          </a:xfrm>
-          <a:prstGeom prst="rect">
-            <a:avLst/>
-          </a:prstGeom>
-        </p:spPr>
-      </p:pic>
-      <p:sp>
-        <p:nvSpPr>
-          <p:cNvPr id="46" name="TextBox 45">
-            <a:extLst>
-              <a:ext uri="{FF2B5EF4-FFF2-40B4-BE49-F238E27FC236}">
-                <a16:creationId xmlns:a16="http://schemas.microsoft.com/office/drawing/2014/main" id="{4D4CAD68-7B8A-3112-2D66-E80D7100A470}"/>
-              </a:ext>
-            </a:extLst>
-          </p:cNvPr>
-          <p:cNvSpPr txBox="1"/>
-          <p:nvPr/>
-        </p:nvSpPr>
-        <p:spPr>
-          <a:xfrm>
-            <a:off x="10348024" y="2464922"/>
-            <a:ext cx="694550" cy="369332"/>
+            <a:off x="10403328" y="2464922"/>
+            <a:ext cx="583941" cy="369332"/>
           </a:xfrm>
           <a:prstGeom prst="rect">
             <a:avLst/>
@@ -5979,7 +5949,7 @@
             <a:pPr algn="ctr"/>
             <a:r>
               <a:rPr lang="en-GB" dirty="0"/>
-              <a:t>TTC</a:t>
+              <a:t>TC</a:t>
             </a:r>
             <a:r>
               <a:rPr lang="en-GB" baseline="30000" dirty="0"/>
@@ -6003,8 +5973,8 @@
         </p:nvSpPr>
         <p:spPr>
           <a:xfrm>
-            <a:off x="10340073" y="2657558"/>
-            <a:ext cx="710451" cy="338554"/>
+            <a:off x="10267136" y="2657558"/>
+            <a:ext cx="856325" cy="338554"/>
           </a:xfrm>
           <a:prstGeom prst="rect">
             <a:avLst/>
@@ -6020,7 +5990,7 @@
             <a:pPr algn="ctr"/>
             <a:r>
               <a:rPr lang="en-GB" sz="1600" dirty="0"/>
-              <a:t>10 ≥ p</a:t>
+              <a:t>10 ≤ pH</a:t>
             </a:r>
           </a:p>
         </p:txBody>
@@ -6304,7 +6274,7 @@
           <p:nvPr/>
         </p:nvPicPr>
         <p:blipFill>
-          <a:blip r:embed="rId3"/>
+          <a:blip r:embed="rId2"/>
           <a:stretch>
             <a:fillRect/>
           </a:stretch>
@@ -6333,8 +6303,8 @@
         </p:nvSpPr>
         <p:spPr>
           <a:xfrm>
-            <a:off x="7341387" y="2464922"/>
-            <a:ext cx="613951" cy="369332"/>
+            <a:off x="7396691" y="2464922"/>
+            <a:ext cx="503343" cy="369332"/>
           </a:xfrm>
           <a:prstGeom prst="rect">
             <a:avLst/>
@@ -6350,7 +6320,7 @@
             <a:pPr algn="ctr"/>
             <a:r>
               <a:rPr lang="en-GB" dirty="0"/>
-              <a:t>TTC</a:t>
+              <a:t>TC</a:t>
             </a:r>
             <a:r>
               <a:rPr lang="en-GB" baseline="30000" dirty="0"/>
@@ -6391,7 +6361,7 @@
             <a:pPr algn="ctr"/>
             <a:r>
               <a:rPr lang="en-GB" sz="1600" dirty="0"/>
-              <a:t>8 ≥ pH ≤ 10</a:t>
+              <a:t>8 ≤ pH ≤ 10</a:t>
             </a:r>
           </a:p>
         </p:txBody>
@@ -6735,7 +6705,7 @@
           <p:nvPr/>
         </p:nvPicPr>
         <p:blipFill>
-          <a:blip r:embed="rId4"/>
+          <a:blip r:embed="rId3"/>
           <a:stretch>
             <a:fillRect/>
           </a:stretch>
@@ -6764,8 +6734,8 @@
         </p:nvSpPr>
         <p:spPr>
           <a:xfrm>
-            <a:off x="4269324" y="2464922"/>
-            <a:ext cx="641651" cy="369332"/>
+            <a:off x="4324628" y="2464922"/>
+            <a:ext cx="531043" cy="369332"/>
           </a:xfrm>
           <a:prstGeom prst="rect">
             <a:avLst/>
@@ -6781,7 +6751,7 @@
             <a:pPr algn="ctr"/>
             <a:r>
               <a:rPr lang="en-GB" dirty="0"/>
-              <a:t>TTC</a:t>
+              <a:t>TC</a:t>
             </a:r>
             <a:r>
               <a:rPr lang="en-GB" baseline="30000" dirty="0"/>
@@ -6822,7 +6792,7 @@
             <a:pPr algn="ctr"/>
             <a:r>
               <a:rPr lang="en-GB" sz="1600" dirty="0"/>
-              <a:t>3 ≥ pH ≤ 8 </a:t>
+              <a:t>3 ≤ pH ≤ 8 </a:t>
             </a:r>
           </a:p>
         </p:txBody>
@@ -6925,8 +6895,8 @@
         </p:nvSpPr>
         <p:spPr>
           <a:xfrm>
-            <a:off x="1210792" y="2464922"/>
-            <a:ext cx="641651" cy="369332"/>
+            <a:off x="1266096" y="2464922"/>
+            <a:ext cx="531043" cy="369332"/>
           </a:xfrm>
           <a:prstGeom prst="rect">
             <a:avLst/>
@@ -6942,7 +6912,7 @@
             <a:pPr algn="ctr"/>
             <a:r>
               <a:rPr lang="en-GB" dirty="0"/>
-              <a:t>TTC</a:t>
+              <a:t>TC</a:t>
             </a:r>
             <a:r>
               <a:rPr lang="en-GB" baseline="30000" dirty="0"/>
@@ -7285,7 +7255,7 @@
           <p:nvPr/>
         </p:nvPicPr>
         <p:blipFill>
-          <a:blip r:embed="rId5"/>
+          <a:blip r:embed="rId4"/>
           <a:stretch>
             <a:fillRect/>
           </a:stretch>
@@ -7738,6 +7708,36 @@
           </a:p>
         </p:txBody>
       </p:sp>
+      <p:pic>
+        <p:nvPicPr>
+          <p:cNvPr id="55" name="Picture 54">
+            <a:extLst>
+              <a:ext uri="{FF2B5EF4-FFF2-40B4-BE49-F238E27FC236}">
+                <a16:creationId xmlns:a16="http://schemas.microsoft.com/office/drawing/2014/main" id="{C7548B83-6F84-32D0-5B2E-08F2FE355E89}"/>
+              </a:ext>
+            </a:extLst>
+          </p:cNvPr>
+          <p:cNvPicPr>
+            <a:picLocks noChangeAspect="1"/>
+          </p:cNvPicPr>
+          <p:nvPr/>
+        </p:nvPicPr>
+        <p:blipFill>
+          <a:blip r:embed="rId5"/>
+          <a:stretch>
+            <a:fillRect/>
+          </a:stretch>
+        </p:blipFill>
+        <p:spPr>
+          <a:xfrm>
+            <a:off x="9212251" y="3036622"/>
+            <a:ext cx="2988000" cy="1536685"/>
+          </a:xfrm>
+          <a:prstGeom prst="rect">
+            <a:avLst/>
+          </a:prstGeom>
+        </p:spPr>
+      </p:pic>
     </p:spTree>
     <p:extLst>
       <p:ext uri="{BB962C8B-B14F-4D97-AF65-F5344CB8AC3E}">
